--- a/lectures/week10/lecture1/slides/week10_lecture1.pptx
+++ b/lectures/week10/lecture1/slides/week10_lecture1.pptx
@@ -2199,7 +2199,7 @@
 </file>
 
 <file path=ppt/slides/slide11.xml><?xml version="1.0" encoding="utf-8"?>
-<p:sld xmlns:a="http://schemas.openxmlformats.org/drawingml/2006/main" xmlns:r="http://schemas.openxmlformats.org/officeDocument/2006/relationships" xmlns:p="http://schemas.openxmlformats.org/presentationml/2006/main" show="0">
+<p:sld xmlns:a="http://schemas.openxmlformats.org/drawingml/2006/main" xmlns:r="http://schemas.openxmlformats.org/officeDocument/2006/relationships" xmlns:p="http://schemas.openxmlformats.org/presentationml/2006/main">
   <p:cSld>
     <p:spTree>
       <p:nvGrpSpPr>
@@ -10680,6 +10680,59 @@
           <a:p>
             <a:pPr algn="ctr"/>
             <a:endParaRPr lang="en-US"/>
+          </a:p>
+        </p:txBody>
+      </p:sp>
+      <p:sp>
+        <p:nvSpPr>
+          <p:cNvPr id="6" name="TextBox 5">
+            <a:extLst>
+              <a:ext uri="{FF2B5EF4-FFF2-40B4-BE49-F238E27FC236}">
+                <a16:creationId xmlns:a16="http://schemas.microsoft.com/office/drawing/2014/main" id="{A0716909-FF8B-C086-11FA-A4469943BFED}"/>
+              </a:ext>
+            </a:extLst>
+          </p:cNvPr>
+          <p:cNvSpPr txBox="1"/>
+          <p:nvPr/>
+        </p:nvSpPr>
+        <p:spPr>
+          <a:xfrm>
+            <a:off x="5257525" y="784280"/>
+            <a:ext cx="3393878" cy="584775"/>
+          </a:xfrm>
+          <a:prstGeom prst="rect">
+            <a:avLst/>
+          </a:prstGeom>
+          <a:noFill/>
+        </p:spPr>
+        <p:txBody>
+          <a:bodyPr wrap="none" rtlCol="0">
+            <a:spAutoFit/>
+          </a:bodyPr>
+          <a:lstStyle/>
+          <a:p>
+            <a:r>
+              <a:rPr lang="en-US" sz="1600" b="1" dirty="0">
+                <a:solidFill>
+                  <a:srgbClr val="00FF00"/>
+                </a:solidFill>
+                <a:latin typeface="Courier New" panose="02070309020205020404" pitchFamily="49" charset="0"/>
+                <a:cs typeface="Courier New" panose="02070309020205020404" pitchFamily="49" charset="0"/>
+              </a:rPr>
+              <a:t>print() is a function</a:t>
+            </a:r>
+          </a:p>
+          <a:p>
+            <a:r>
+              <a:rPr lang="en-US" sz="1600" b="1" dirty="0">
+                <a:solidFill>
+                  <a:srgbClr val="00FF00"/>
+                </a:solidFill>
+                <a:latin typeface="Courier New" panose="02070309020205020404" pitchFamily="49" charset="0"/>
+                <a:cs typeface="Courier New" panose="02070309020205020404" pitchFamily="49" charset="0"/>
+              </a:rPr>
+              <a:t>list.append() is a method</a:t>
+            </a:r>
           </a:p>
         </p:txBody>
       </p:sp>
@@ -12352,7 +12405,21 @@
           <a:p>
             <a:r>
               <a:rPr lang="en-US" dirty="0"/>
-              <a:t>Although you do not technically need to use the word self, it is widely adopted and is recommended</a:t>
+              <a:t>Although you do not technically need to use the word </a:t>
+            </a:r>
+            <a:r>
+              <a:rPr lang="en-US" b="1" dirty="0">
+                <a:solidFill>
+                  <a:srgbClr val="00FF00"/>
+                </a:solidFill>
+                <a:latin typeface="Courier New" panose="02070309020205020404" pitchFamily="49" charset="0"/>
+                <a:cs typeface="Courier New" panose="02070309020205020404" pitchFamily="49" charset="0"/>
+              </a:rPr>
+              <a:t>self</a:t>
+            </a:r>
+            <a:r>
+              <a:rPr lang="en-US" dirty="0"/>
+              <a:t>, it is widely adopted and is recommended</a:t>
             </a:r>
             <a:r>
               <a:rPr lang="en-US" dirty="0">
@@ -12433,19 +12500,7 @@
             </a:r>
             <a:r>
               <a:rPr lang="en-US" dirty="0"/>
-              <a:t> in Thursday</a:t>
-            </a:r>
-            <a:r>
-              <a:rPr lang="en-US" dirty="0">
-                <a:solidFill>
-                  <a:schemeClr val="accent6"/>
-                </a:solidFill>
-              </a:rPr>
-              <a:t>’</a:t>
-            </a:r>
-            <a:r>
-              <a:rPr lang="en-US" dirty="0"/>
-              <a:t>s lecture</a:t>
+              <a:t> in the next lecture</a:t>
             </a:r>
             <a:r>
               <a:rPr lang="en-US" dirty="0">
@@ -25537,7 +25592,7 @@
           <a:p>
             <a:r>
               <a:rPr lang="en-US" sz="3200" dirty="0"/>
-              <a:t>Our Point class needs to</a:t>
+              <a:t>Create a Point class to</a:t>
             </a:r>
             <a:r>
               <a:rPr lang="en-US" sz="3200" dirty="0">
@@ -25870,7 +25925,7 @@
           <a:p>
             <a:r>
               <a:rPr lang="en-US" sz="3200" dirty="0"/>
-              <a:t>Our Point class needs to</a:t>
+              <a:t>Create a Point class to</a:t>
             </a:r>
             <a:r>
               <a:rPr lang="en-US" sz="3200" dirty="0">

--- a/lectures/week10/lecture1/slides/week10_lecture1.pptx
+++ b/lectures/week10/lecture1/slides/week10_lecture1.pptx
@@ -8580,7 +8580,7 @@
             </a:r>
             <a:r>
               <a:rPr lang="en-US" dirty="0"/>
-              <a:t> Robot Localization</a:t>
+              <a:t> Stock Market</a:t>
             </a:r>
           </a:p>
           <a:p>

--- a/lectures/week10/lecture1/slides/week10_lecture1.pptx
+++ b/lectures/week10/lecture1/slides/week10_lecture1.pptx
@@ -11548,6 +11548,59 @@
           </a:fontRef>
         </p:style>
       </p:cxnSp>
+      <p:sp>
+        <p:nvSpPr>
+          <p:cNvPr id="6" name="TextBox 5">
+            <a:extLst>
+              <a:ext uri="{FF2B5EF4-FFF2-40B4-BE49-F238E27FC236}">
+                <a16:creationId xmlns:a16="http://schemas.microsoft.com/office/drawing/2014/main" id="{506770A8-94FC-41B4-CDB7-5281A2769FFD}"/>
+              </a:ext>
+            </a:extLst>
+          </p:cNvPr>
+          <p:cNvSpPr txBox="1"/>
+          <p:nvPr/>
+        </p:nvSpPr>
+        <p:spPr>
+          <a:xfrm>
+            <a:off x="7312873" y="190874"/>
+            <a:ext cx="2776722" cy="584775"/>
+          </a:xfrm>
+          <a:prstGeom prst="rect">
+            <a:avLst/>
+          </a:prstGeom>
+          <a:noFill/>
+        </p:spPr>
+        <p:txBody>
+          <a:bodyPr wrap="none" rtlCol="0">
+            <a:spAutoFit/>
+          </a:bodyPr>
+          <a:lstStyle/>
+          <a:p>
+            <a:r>
+              <a:rPr lang="en-US" sz="1600" b="1" dirty="0">
+                <a:solidFill>
+                  <a:srgbClr val="FF0000"/>
+                </a:solidFill>
+                <a:latin typeface="Courier New" panose="02070309020205020404" pitchFamily="49" charset="0"/>
+                <a:cs typeface="Courier New" panose="02070309020205020404" pitchFamily="49" charset="0"/>
+              </a:rPr>
+              <a:t>print(x, y)</a:t>
+            </a:r>
+          </a:p>
+          <a:p>
+            <a:r>
+              <a:rPr lang="en-US" sz="1600" b="1" dirty="0">
+                <a:solidFill>
+                  <a:srgbClr val="00FF00"/>
+                </a:solidFill>
+                <a:latin typeface="Courier New" panose="02070309020205020404" pitchFamily="49" charset="0"/>
+                <a:cs typeface="Courier New" panose="02070309020205020404" pitchFamily="49" charset="0"/>
+              </a:rPr>
+              <a:t>print(alex.x, alex.y)</a:t>
+            </a:r>
+          </a:p>
+        </p:txBody>
+      </p:sp>
     </p:spTree>
     <p:extLst>
       <p:ext uri="{BB962C8B-B14F-4D97-AF65-F5344CB8AC3E}">
